--- a/arcadegame.pptx
+++ b/arcadegame.pptx
@@ -115,6 +115,11 @@
       </a:defRPr>
     </a:lvl9pPr>
   </p:defaultTextStyle>
+  <p:extLst>
+    <p:ext uri="{EFAFB233-063F-42B5-8137-9DF3F51BA10A}">
+      <p15:sldGuideLst xmlns:p15="http://schemas.microsoft.com/office/powerpoint/2012/main"/>
+    </p:ext>
+  </p:extLst>
 </p:presentation>
 </file>
 
@@ -716,10 +721,10 @@
           </c:marker>
           <c:cat>
             <c:numRef>
-              <c:f>Blad1!$A$2:$A$7</c:f>
+              <c:f>Blad1!$A$2:$A$6</c:f>
               <c:numCache>
                 <c:formatCode>d\-mmm</c:formatCode>
-                <c:ptCount val="6"/>
+                <c:ptCount val="5"/>
                 <c:pt idx="0">
                   <c:v>42695</c:v>
                 </c:pt>
@@ -735,18 +740,15 @@
                 <c:pt idx="4">
                   <c:v>42699</c:v>
                 </c:pt>
-                <c:pt idx="5">
-                  <c:v>42700</c:v>
-                </c:pt>
               </c:numCache>
             </c:numRef>
           </c:cat>
           <c:val>
             <c:numRef>
-              <c:f>Blad1!$B$2:$B$7</c:f>
+              <c:f>Blad1!$B$2:$B$6</c:f>
               <c:numCache>
                 <c:formatCode>General</c:formatCode>
-                <c:ptCount val="6"/>
+                <c:ptCount val="5"/>
                 <c:pt idx="0">
                   <c:v>192</c:v>
                 </c:pt>
@@ -757,12 +759,9 @@
                   <c:v>148</c:v>
                 </c:pt>
                 <c:pt idx="3">
-                  <c:v>88</c:v>
+                  <c:v>82</c:v>
                 </c:pt>
                 <c:pt idx="4">
-                  <c:v>0</c:v>
-                </c:pt>
-                <c:pt idx="5">
                   <c:v>0</c:v>
                 </c:pt>
               </c:numCache>
@@ -809,10 +808,10 @@
           </c:marker>
           <c:cat>
             <c:numRef>
-              <c:f>Blad1!$A$2:$A$7</c:f>
+              <c:f>Blad1!$A$2:$A$6</c:f>
               <c:numCache>
                 <c:formatCode>d\-mmm</c:formatCode>
-                <c:ptCount val="6"/>
+                <c:ptCount val="5"/>
                 <c:pt idx="0">
                   <c:v>42695</c:v>
                 </c:pt>
@@ -828,18 +827,15 @@
                 <c:pt idx="4">
                   <c:v>42699</c:v>
                 </c:pt>
-                <c:pt idx="5">
-                  <c:v>42700</c:v>
-                </c:pt>
               </c:numCache>
             </c:numRef>
           </c:cat>
           <c:val>
             <c:numRef>
-              <c:f>Blad1!$C$2:$C$7</c:f>
+              <c:f>Blad1!$C$2:$C$6</c:f>
               <c:numCache>
                 <c:formatCode>General</c:formatCode>
-                <c:ptCount val="6"/>
+                <c:ptCount val="5"/>
                 <c:pt idx="0">
                   <c:v>192</c:v>
                 </c:pt>
@@ -854,9 +850,6 @@
                 </c:pt>
                 <c:pt idx="4">
                   <c:v>38</c:v>
-                </c:pt>
-                <c:pt idx="5">
-                  <c:v>0</c:v>
                 </c:pt>
               </c:numCache>
             </c:numRef>
@@ -2222,7 +2215,7 @@
           <a:p>
             <a:fld id="{8FDF90E9-5DB3-4411-9752-400D73CEB774}" type="datetimeFigureOut">
               <a:rPr lang="nl-NL" smtClean="0"/>
-              <a:t>24-11-2016</a:t>
+              <a:t>25-11-2016</a:t>
             </a:fld>
             <a:endParaRPr lang="nl-NL"/>
           </a:p>
@@ -2317,7 +2310,6 @@
               <a:rPr lang="nl-NL"/>
               <a:t>Vijfde niveau</a:t>
             </a:r>
-            <a:endParaRPr lang="nl-NL"/>
           </a:p>
         </p:txBody>
       </p:sp>
@@ -2535,7 +2527,6 @@
               <a:rPr lang="nl-NL"/>
               <a:t>Klik om de stijl te bewerken</a:t>
             </a:r>
-            <a:endParaRPr lang="nl-NL"/>
           </a:p>
         </p:txBody>
       </p:sp>
@@ -2600,7 +2591,6 @@
               <a:rPr lang="nl-NL"/>
               <a:t>Klik om de ondertitelstijl van het model te bewerken</a:t>
             </a:r>
-            <a:endParaRPr lang="nl-NL"/>
           </a:p>
         </p:txBody>
       </p:sp>
@@ -2621,7 +2611,7 @@
           <a:p>
             <a:fld id="{6DD8571A-E345-4D5E-971A-5A6F3F92E99F}" type="datetimeFigureOut">
               <a:rPr lang="nl-NL" smtClean="0"/>
-              <a:t>24-11-2016</a:t>
+              <a:t>25-11-2016</a:t>
             </a:fld>
             <a:endParaRPr lang="nl-NL"/>
           </a:p>
@@ -2718,7 +2708,6 @@
               <a:rPr lang="nl-NL"/>
               <a:t>Klik om de stijl te bewerken</a:t>
             </a:r>
-            <a:endParaRPr lang="nl-NL"/>
           </a:p>
         </p:txBody>
       </p:sp>
@@ -2770,7 +2759,6 @@
               <a:rPr lang="nl-NL"/>
               <a:t>Vijfde niveau</a:t>
             </a:r>
-            <a:endParaRPr lang="nl-NL"/>
           </a:p>
         </p:txBody>
       </p:sp>
@@ -2791,7 +2779,7 @@
           <a:p>
             <a:fld id="{6DD8571A-E345-4D5E-971A-5A6F3F92E99F}" type="datetimeFigureOut">
               <a:rPr lang="nl-NL" smtClean="0"/>
-              <a:t>24-11-2016</a:t>
+              <a:t>25-11-2016</a:t>
             </a:fld>
             <a:endParaRPr lang="nl-NL"/>
           </a:p>
@@ -2893,7 +2881,6 @@
               <a:rPr lang="nl-NL"/>
               <a:t>Klik om de stijl te bewerken</a:t>
             </a:r>
-            <a:endParaRPr lang="nl-NL"/>
           </a:p>
         </p:txBody>
       </p:sp>
@@ -2950,7 +2937,6 @@
               <a:rPr lang="nl-NL"/>
               <a:t>Vijfde niveau</a:t>
             </a:r>
-            <a:endParaRPr lang="nl-NL"/>
           </a:p>
         </p:txBody>
       </p:sp>
@@ -2971,7 +2957,7 @@
           <a:p>
             <a:fld id="{6DD8571A-E345-4D5E-971A-5A6F3F92E99F}" type="datetimeFigureOut">
               <a:rPr lang="nl-NL" smtClean="0"/>
-              <a:t>24-11-2016</a:t>
+              <a:t>25-11-2016</a:t>
             </a:fld>
             <a:endParaRPr lang="nl-NL"/>
           </a:p>
@@ -3068,7 +3054,6 @@
               <a:rPr lang="nl-NL"/>
               <a:t>Klik om de stijl te bewerken</a:t>
             </a:r>
-            <a:endParaRPr lang="nl-NL"/>
           </a:p>
         </p:txBody>
       </p:sp>
@@ -3120,7 +3105,6 @@
               <a:rPr lang="nl-NL"/>
               <a:t>Vijfde niveau</a:t>
             </a:r>
-            <a:endParaRPr lang="nl-NL"/>
           </a:p>
         </p:txBody>
       </p:sp>
@@ -3141,7 +3125,7 @@
           <a:p>
             <a:fld id="{6DD8571A-E345-4D5E-971A-5A6F3F92E99F}" type="datetimeFigureOut">
               <a:rPr lang="nl-NL" smtClean="0"/>
-              <a:t>24-11-2016</a:t>
+              <a:t>25-11-2016</a:t>
             </a:fld>
             <a:endParaRPr lang="nl-NL"/>
           </a:p>
@@ -3247,7 +3231,6 @@
               <a:rPr lang="nl-NL"/>
               <a:t>Klik om de stijl te bewerken</a:t>
             </a:r>
-            <a:endParaRPr lang="nl-NL"/>
           </a:p>
         </p:txBody>
       </p:sp>
@@ -3387,7 +3370,7 @@
           <a:p>
             <a:fld id="{6DD8571A-E345-4D5E-971A-5A6F3F92E99F}" type="datetimeFigureOut">
               <a:rPr lang="nl-NL" smtClean="0"/>
-              <a:t>24-11-2016</a:t>
+              <a:t>25-11-2016</a:t>
             </a:fld>
             <a:endParaRPr lang="nl-NL"/>
           </a:p>
@@ -3484,7 +3467,6 @@
               <a:rPr lang="nl-NL"/>
               <a:t>Klik om de stijl te bewerken</a:t>
             </a:r>
-            <a:endParaRPr lang="nl-NL"/>
           </a:p>
         </p:txBody>
       </p:sp>
@@ -3541,7 +3523,6 @@
               <a:rPr lang="nl-NL"/>
               <a:t>Vijfde niveau</a:t>
             </a:r>
-            <a:endParaRPr lang="nl-NL"/>
           </a:p>
         </p:txBody>
       </p:sp>
@@ -3598,7 +3579,6 @@
               <a:rPr lang="nl-NL"/>
               <a:t>Vijfde niveau</a:t>
             </a:r>
-            <a:endParaRPr lang="nl-NL"/>
           </a:p>
         </p:txBody>
       </p:sp>
@@ -3619,7 +3599,7 @@
           <a:p>
             <a:fld id="{6DD8571A-E345-4D5E-971A-5A6F3F92E99F}" type="datetimeFigureOut">
               <a:rPr lang="nl-NL" smtClean="0"/>
-              <a:t>24-11-2016</a:t>
+              <a:t>25-11-2016</a:t>
             </a:fld>
             <a:endParaRPr lang="nl-NL"/>
           </a:p>
@@ -3721,7 +3701,6 @@
               <a:rPr lang="nl-NL"/>
               <a:t>Klik om de stijl te bewerken</a:t>
             </a:r>
-            <a:endParaRPr lang="nl-NL"/>
           </a:p>
         </p:txBody>
       </p:sp>
@@ -3843,7 +3822,6 @@
               <a:rPr lang="nl-NL"/>
               <a:t>Vijfde niveau</a:t>
             </a:r>
-            <a:endParaRPr lang="nl-NL"/>
           </a:p>
         </p:txBody>
       </p:sp>
@@ -3965,7 +3943,6 @@
               <a:rPr lang="nl-NL"/>
               <a:t>Vijfde niveau</a:t>
             </a:r>
-            <a:endParaRPr lang="nl-NL"/>
           </a:p>
         </p:txBody>
       </p:sp>
@@ -3986,7 +3963,7 @@
           <a:p>
             <a:fld id="{6DD8571A-E345-4D5E-971A-5A6F3F92E99F}" type="datetimeFigureOut">
               <a:rPr lang="nl-NL" smtClean="0"/>
-              <a:t>24-11-2016</a:t>
+              <a:t>25-11-2016</a:t>
             </a:fld>
             <a:endParaRPr lang="nl-NL"/>
           </a:p>
@@ -4083,7 +4060,6 @@
               <a:rPr lang="nl-NL"/>
               <a:t>Klik om de stijl te bewerken</a:t>
             </a:r>
-            <a:endParaRPr lang="nl-NL"/>
           </a:p>
         </p:txBody>
       </p:sp>
@@ -4104,7 +4080,7 @@
           <a:p>
             <a:fld id="{6DD8571A-E345-4D5E-971A-5A6F3F92E99F}" type="datetimeFigureOut">
               <a:rPr lang="nl-NL" smtClean="0"/>
-              <a:t>24-11-2016</a:t>
+              <a:t>25-11-2016</a:t>
             </a:fld>
             <a:endParaRPr lang="nl-NL"/>
           </a:p>
@@ -4199,7 +4175,7 @@
           <a:p>
             <a:fld id="{6DD8571A-E345-4D5E-971A-5A6F3F92E99F}" type="datetimeFigureOut">
               <a:rPr lang="nl-NL" smtClean="0"/>
-              <a:t>24-11-2016</a:t>
+              <a:t>25-11-2016</a:t>
             </a:fld>
             <a:endParaRPr lang="nl-NL"/>
           </a:p>
@@ -4305,7 +4281,6 @@
               <a:rPr lang="nl-NL"/>
               <a:t>Klik om de stijl te bewerken</a:t>
             </a:r>
-            <a:endParaRPr lang="nl-NL"/>
           </a:p>
         </p:txBody>
       </p:sp>
@@ -4390,7 +4365,6 @@
               <a:rPr lang="nl-NL"/>
               <a:t>Vijfde niveau</a:t>
             </a:r>
-            <a:endParaRPr lang="nl-NL"/>
           </a:p>
         </p:txBody>
       </p:sp>
@@ -4476,7 +4450,7 @@
           <a:p>
             <a:fld id="{6DD8571A-E345-4D5E-971A-5A6F3F92E99F}" type="datetimeFigureOut">
               <a:rPr lang="nl-NL" smtClean="0"/>
-              <a:t>24-11-2016</a:t>
+              <a:t>25-11-2016</a:t>
             </a:fld>
             <a:endParaRPr lang="nl-NL"/>
           </a:p>
@@ -4582,7 +4556,6 @@
               <a:rPr lang="nl-NL"/>
               <a:t>Klik om de stijl te bewerken</a:t>
             </a:r>
-            <a:endParaRPr lang="nl-NL"/>
           </a:p>
         </p:txBody>
       </p:sp>
@@ -4729,7 +4702,7 @@
           <a:p>
             <a:fld id="{6DD8571A-E345-4D5E-971A-5A6F3F92E99F}" type="datetimeFigureOut">
               <a:rPr lang="nl-NL" smtClean="0"/>
-              <a:t>24-11-2016</a:t>
+              <a:t>25-11-2016</a:t>
             </a:fld>
             <a:endParaRPr lang="nl-NL"/>
           </a:p>
@@ -4841,7 +4814,6 @@
               <a:rPr lang="nl-NL"/>
               <a:t>Klik om de stijl te bewerken</a:t>
             </a:r>
-            <a:endParaRPr lang="nl-NL"/>
           </a:p>
         </p:txBody>
       </p:sp>
@@ -4903,7 +4875,6 @@
               <a:rPr lang="nl-NL"/>
               <a:t>Vijfde niveau</a:t>
             </a:r>
-            <a:endParaRPr lang="nl-NL"/>
           </a:p>
         </p:txBody>
       </p:sp>
@@ -4942,7 +4913,7 @@
           <a:p>
             <a:fld id="{6DD8571A-E345-4D5E-971A-5A6F3F92E99F}" type="datetimeFigureOut">
               <a:rPr lang="nl-NL" smtClean="0"/>
-              <a:t>24-11-2016</a:t>
+              <a:t>25-11-2016</a:t>
             </a:fld>
             <a:endParaRPr lang="nl-NL"/>
           </a:p>
@@ -6424,7 +6395,7 @@
           <p:nvPr>
             <p:extLst>
               <p:ext uri="{D42A27DB-BD31-4B8C-83A1-F6EECF244321}">
-                <p14:modId xmlns:p14="http://schemas.microsoft.com/office/powerpoint/2010/main" val="2988998248"/>
+                <p14:modId xmlns:p14="http://schemas.microsoft.com/office/powerpoint/2010/main" val="2837851086"/>
               </p:ext>
             </p:extLst>
           </p:nvPr>
@@ -6825,7 +6796,7 @@
         </p:blipFill>
         <p:spPr bwMode="auto">
           <a:xfrm>
-            <a:off x="4918999" y="1996455"/>
+            <a:off x="751445" y="1690688"/>
             <a:ext cx="6983035" cy="4555777"/>
           </a:xfrm>
           <a:prstGeom prst="rect">

--- a/arcadegame.pptx
+++ b/arcadegame.pptx
@@ -721,23 +721,26 @@
           </c:marker>
           <c:cat>
             <c:numRef>
-              <c:f>Blad1!$A$2:$A$6</c:f>
+              <c:f>Blad1!$A$2:$A$8</c:f>
               <c:numCache>
                 <c:formatCode>d\-mmm</c:formatCode>
-                <c:ptCount val="5"/>
+                <c:ptCount val="7"/>
                 <c:pt idx="0">
+                  <c:v>42694</c:v>
+                </c:pt>
+                <c:pt idx="1">
                   <c:v>42695</c:v>
                 </c:pt>
-                <c:pt idx="1">
+                <c:pt idx="2">
                   <c:v>42696</c:v>
                 </c:pt>
-                <c:pt idx="2">
+                <c:pt idx="3">
                   <c:v>42697</c:v>
                 </c:pt>
-                <c:pt idx="3">
+                <c:pt idx="4">
                   <c:v>42698</c:v>
                 </c:pt>
-                <c:pt idx="4">
+                <c:pt idx="5">
                   <c:v>42699</c:v>
                 </c:pt>
               </c:numCache>
@@ -745,23 +748,26 @@
           </c:cat>
           <c:val>
             <c:numRef>
-              <c:f>Blad1!$B$2:$B$6</c:f>
+              <c:f>Blad1!$B$2:$B$8</c:f>
               <c:numCache>
                 <c:formatCode>General</c:formatCode>
-                <c:ptCount val="5"/>
+                <c:ptCount val="7"/>
                 <c:pt idx="0">
-                  <c:v>192</c:v>
+                  <c:v>184</c:v>
                 </c:pt>
                 <c:pt idx="1">
-                  <c:v>166</c:v>
+                  <c:v>158</c:v>
                 </c:pt>
                 <c:pt idx="2">
-                  <c:v>148</c:v>
+                  <c:v>140</c:v>
                 </c:pt>
                 <c:pt idx="3">
-                  <c:v>82</c:v>
+                  <c:v>91</c:v>
                 </c:pt>
                 <c:pt idx="4">
+                  <c:v>44</c:v>
+                </c:pt>
+                <c:pt idx="5">
                   <c:v>0</c:v>
                 </c:pt>
               </c:numCache>
@@ -808,23 +814,26 @@
           </c:marker>
           <c:cat>
             <c:numRef>
-              <c:f>Blad1!$A$2:$A$6</c:f>
+              <c:f>Blad1!$A$2:$A$8</c:f>
               <c:numCache>
                 <c:formatCode>d\-mmm</c:formatCode>
-                <c:ptCount val="5"/>
+                <c:ptCount val="7"/>
                 <c:pt idx="0">
+                  <c:v>42694</c:v>
+                </c:pt>
+                <c:pt idx="1">
                   <c:v>42695</c:v>
                 </c:pt>
-                <c:pt idx="1">
+                <c:pt idx="2">
                   <c:v>42696</c:v>
                 </c:pt>
-                <c:pt idx="2">
+                <c:pt idx="3">
                   <c:v>42697</c:v>
                 </c:pt>
-                <c:pt idx="3">
+                <c:pt idx="4">
                   <c:v>42698</c:v>
                 </c:pt>
-                <c:pt idx="4">
+                <c:pt idx="5">
                   <c:v>42699</c:v>
                 </c:pt>
               </c:numCache>
@@ -832,24 +841,27 @@
           </c:cat>
           <c:val>
             <c:numRef>
-              <c:f>Blad1!$C$2:$C$6</c:f>
+              <c:f>Blad1!$C$2:$C$8</c:f>
               <c:numCache>
                 <c:formatCode>General</c:formatCode>
-                <c:ptCount val="5"/>
+                <c:ptCount val="7"/>
                 <c:pt idx="0">
-                  <c:v>192</c:v>
+                  <c:v>184</c:v>
                 </c:pt>
                 <c:pt idx="1">
-                  <c:v>154</c:v>
+                  <c:v>147</c:v>
                 </c:pt>
                 <c:pt idx="2">
-                  <c:v>115</c:v>
+                  <c:v>110</c:v>
                 </c:pt>
                 <c:pt idx="3">
-                  <c:v>77</c:v>
+                  <c:v>74</c:v>
                 </c:pt>
                 <c:pt idx="4">
-                  <c:v>38</c:v>
+                  <c:v>37</c:v>
+                </c:pt>
+                <c:pt idx="5">
+                  <c:v>0</c:v>
                 </c:pt>
               </c:numCache>
             </c:numRef>
@@ -6395,7 +6407,7 @@
           <p:nvPr>
             <p:extLst>
               <p:ext uri="{D42A27DB-BD31-4B8C-83A1-F6EECF244321}">
-                <p14:modId xmlns:p14="http://schemas.microsoft.com/office/powerpoint/2010/main" val="2837851086"/>
+                <p14:modId xmlns:p14="http://schemas.microsoft.com/office/powerpoint/2010/main" val="690662882"/>
               </p:ext>
             </p:extLst>
           </p:nvPr>
